--- a/ppt-architecture/presentation--architecture.pptx
+++ b/ppt-architecture/presentation--architecture.pptx
@@ -202,7 +202,7 @@
           <a:p>
             <a:fld id="{4F3B97A9-61D7-AC44-A61A-2844D95B72C4}" type="datetimeFigureOut">
               <a:rPr lang="en-US" smtClean="0"/>
-              <a:t>9/4/25</a:t>
+              <a:t>9/17/25</a:t>
             </a:fld>
             <a:endParaRPr lang="en-US"/>
           </a:p>
@@ -921,252 +921,6 @@
           <a:bodyPr/>
           <a:lstStyle/>
           <a:p>
-            <a:r>
-              <a:rPr lang="en-US" b="1"/>
-              <a:t>Enterprise </a:t>
-            </a:r>
-            <a:r>
-              <a:rPr lang="en-US" b="1" dirty="0"/>
-              <a:t>Grade Security – </a:t>
-            </a:r>
-            <a:r>
-              <a:rPr lang="en-US" b="0" dirty="0"/>
-              <a:t>The dedicated </a:t>
-            </a:r>
-            <a:r>
-              <a:rPr lang="en-US" b="0" dirty="0" err="1"/>
-              <a:t>microVM</a:t>
-            </a:r>
-            <a:r>
-              <a:rPr lang="en-US" b="0" dirty="0"/>
-              <a:t> model provides strong tenant isolation preventing side channel attacks( </a:t>
-            </a:r>
-            <a:r>
-              <a:rPr lang="en-US" b="0" dirty="0" err="1"/>
-              <a:t>eg.</a:t>
-            </a:r>
-            <a:r>
-              <a:rPr lang="en-US" b="0" dirty="0"/>
-              <a:t> </a:t>
-            </a:r>
-            <a:r>
-              <a:rPr lang="en-US" b="0" dirty="0" err="1"/>
-              <a:t>Spectre</a:t>
-            </a:r>
-            <a:r>
-              <a:rPr lang="en-US" b="0" dirty="0"/>
-              <a:t>/Meltdown) and cross tenant poisoning. Sanitization ensures compliance with the data privacy regulations such as GDPR and HIPAA making it suitable for sensitive workloads</a:t>
-            </a:r>
-          </a:p>
-          <a:p>
-            <a:endParaRPr lang="en-US" b="0" dirty="0"/>
-          </a:p>
-          <a:p>
-            <a:endParaRPr lang="en-US" b="1" dirty="0"/>
-          </a:p>
-          <a:p>
-            <a:endParaRPr lang="en-US" b="1" dirty="0"/>
-          </a:p>
-          <a:p>
-            <a:endParaRPr lang="en-US" b="1" dirty="0"/>
-          </a:p>
-          <a:p>
-            <a:r>
-              <a:rPr lang="en-US" b="1" dirty="0"/>
-              <a:t>Security Advantages of </a:t>
-            </a:r>
-            <a:r>
-              <a:rPr lang="en-US" b="1" dirty="0" err="1"/>
-              <a:t>AgentCore</a:t>
-            </a:r>
-            <a:r>
-              <a:rPr lang="en-US" b="1" dirty="0"/>
-              <a:t> Runtime</a:t>
-            </a:r>
-          </a:p>
-          <a:p>
-            <a:r>
-              <a:rPr lang="en-US" dirty="0" err="1">
-                <a:effectLst/>
-              </a:rPr>
-              <a:t>AgentCore</a:t>
-            </a:r>
-            <a:r>
-              <a:rPr lang="en-US" dirty="0">
-                <a:effectLst/>
-              </a:rPr>
-              <a:t> runtime (part of AWS Bedrock </a:t>
-            </a:r>
-            <a:r>
-              <a:rPr lang="en-US" dirty="0" err="1">
-                <a:effectLst/>
-              </a:rPr>
-              <a:t>AgentCore</a:t>
-            </a:r>
-            <a:r>
-              <a:rPr lang="en-US" dirty="0">
-                <a:effectLst/>
-              </a:rPr>
-              <a:t>) is designed for deploying agentic AI applications in a secure, scalable, and isolated manner. It leverages AWS services like Bedrock, ECR (Elastic Container Registry), IAM (Identity and Access Management), and CloudWatch to provide a runtime environment for agents that interact with foundation models, vector stores, and other components. Based on the deployment script and policy, here are the key security advantages:</a:t>
-            </a:r>
-          </a:p>
-          <a:p>
-            <a:r>
-              <a:rPr lang="en-US" b="1" dirty="0"/>
-              <a:t>Least Privilege Principle Enforcement</a:t>
-            </a:r>
-            <a:r>
-              <a:rPr lang="en-US" dirty="0"/>
-              <a:t>: The runtime uses a dedicated IAM execution role with narrowly scoped permissions. This role only allows specific actions (e.g., invoking Bedrock models, querying vector stores) on explicitly defined resources, reducing the blast radius if compromised. For instance, it restricts access to only the necessary Bedrock foundation models and S3 buckets, preventing broader AWS account exploitation.</a:t>
-            </a:r>
-          </a:p>
-          <a:p>
-            <a:r>
-              <a:rPr lang="en-US" b="1" dirty="0"/>
-              <a:t>Containerized Isolation</a:t>
-            </a:r>
-            <a:r>
-              <a:rPr lang="en-US" dirty="0"/>
-              <a:t>: Applications run in Docker containers pushed to ECR, providing process-level isolation. This prevents the agent from directly accessing host resources or other workloads. The </a:t>
-            </a:r>
-            <a:r>
-              <a:rPr lang="en-US" dirty="0" err="1"/>
-              <a:t>Dockerfile</a:t>
-            </a:r>
-            <a:r>
-              <a:rPr lang="en-US" dirty="0"/>
-              <a:t> specifies a non-root user (</a:t>
-            </a:r>
-            <a:r>
-              <a:rPr lang="en-US" dirty="0" err="1"/>
-              <a:t>bedrock_agentcore</a:t>
-            </a:r>
-            <a:r>
-              <a:rPr lang="en-US" dirty="0"/>
-              <a:t> with UID 1000), adhering to the principle of least privilege at the OS level and mitigating risks like container escapes.</a:t>
-            </a:r>
-          </a:p>
-          <a:p>
-            <a:r>
-              <a:rPr lang="en-US" b="1" dirty="0"/>
-              <a:t>Secure Credential Management</a:t>
-            </a:r>
-            <a:r>
-              <a:rPr lang="en-US" dirty="0"/>
-              <a:t>: Environment variables (e.g., model IDs, bucket names) are baked into the Docker image during build, avoiding runtime exposure. No sensitive credentials (like AWS keys) are hardcoded; instead, the runtime relies on IAM role assumption for authentication, eliminating the need for long-lived secrets.</a:t>
-            </a:r>
-          </a:p>
-          <a:p>
-            <a:r>
-              <a:rPr lang="en-US" b="1" dirty="0"/>
-              <a:t>Service Trust Boundaries</a:t>
-            </a:r>
-            <a:r>
-              <a:rPr lang="en-US" dirty="0"/>
-              <a:t>: The IAM trust policy ensures only the Bedrock </a:t>
-            </a:r>
-            <a:r>
-              <a:rPr lang="en-US" dirty="0" err="1"/>
-              <a:t>AgentCore</a:t>
-            </a:r>
-            <a:r>
-              <a:rPr lang="en-US" dirty="0"/>
-              <a:t> service (from the same AWS account) can assume the execution role, preventing unauthorized external entities from using it. This is conditioned on source account and ARN patterns.</a:t>
-            </a:r>
-          </a:p>
-          <a:p>
-            <a:r>
-              <a:rPr lang="en-US" b="1" dirty="0"/>
-              <a:t>Auditing and Monitoring</a:t>
-            </a:r>
-            <a:r>
-              <a:rPr lang="en-US" dirty="0"/>
-              <a:t>: Integration with CloudWatch Logs and Metrics allows for centralized logging of agent activities (e.g., invocations, errors). This enables detection of anomalies, compliance auditing, and forensic analysis. X-Ray tracing (mentioned in the policy) could further support distributed tracing for security investigations.</a:t>
-            </a:r>
-          </a:p>
-          <a:p>
-            <a:r>
-              <a:rPr lang="en-US" b="1" dirty="0"/>
-              <a:t>Immutable Infrastructure</a:t>
-            </a:r>
-            <a:r>
-              <a:rPr lang="en-US" dirty="0"/>
-              <a:t>: The script cleans up existing ECR images before building new ones, ensuring deployments use fresh, </a:t>
-            </a:r>
-            <a:r>
-              <a:rPr lang="en-US" dirty="0" err="1"/>
-              <a:t>uncached</a:t>
-            </a:r>
-            <a:r>
-              <a:rPr lang="en-US" dirty="0"/>
-              <a:t> artifacts. This reduces risks from outdated or tampered images. </a:t>
-            </a:r>
-            <a:r>
-              <a:rPr lang="en-US" dirty="0" err="1"/>
-              <a:t>AgentCore's</a:t>
-            </a:r>
-            <a:r>
-              <a:rPr lang="en-US" dirty="0"/>
-              <a:t> launch process includes auto-updates on conflicts, promoting consistent, secure deployments.</a:t>
-            </a:r>
-          </a:p>
-          <a:p>
-            <a:r>
-              <a:rPr lang="en-US" b="1" dirty="0"/>
-              <a:t>Data Access Controls</a:t>
-            </a:r>
-            <a:r>
-              <a:rPr lang="en-US" dirty="0"/>
-              <a:t>: Permissions for vector stores (S3Vectors) and S3 buckets are read-only where possible (e.g., </a:t>
-            </a:r>
-            <a:r>
-              <a:rPr lang="en-US" dirty="0" err="1"/>
-              <a:t>GetObject</a:t>
-            </a:r>
-            <a:r>
-              <a:rPr lang="en-US" dirty="0"/>
-              <a:t>, </a:t>
-            </a:r>
-            <a:r>
-              <a:rPr lang="en-US" dirty="0" err="1"/>
-              <a:t>QueryVectors</a:t>
-            </a:r>
-            <a:r>
-              <a:rPr lang="en-US" dirty="0"/>
-              <a:t>), preventing unauthorized writes or deletions. This protects sensitive data like embeddings or indexes.</a:t>
-            </a:r>
-          </a:p>
-          <a:p>
-            <a:r>
-              <a:rPr lang="en-US" b="1" dirty="0"/>
-              <a:t>Compliance with AWS Best Practices</a:t>
-            </a:r>
-            <a:r>
-              <a:rPr lang="en-US" dirty="0"/>
-              <a:t>: By using Bedrock's managed services, it inherits security features like encryption at rest/transit (via KMS), model isolation, and regional boundaries. The policy includes KMS permissions for encryption, ensuring data protection.</a:t>
-            </a:r>
-          </a:p>
-          <a:p>
-            <a:r>
-              <a:rPr lang="en-US" dirty="0">
-                <a:effectLst/>
-              </a:rPr>
-              <a:t>Overall, these features make </a:t>
-            </a:r>
-            <a:r>
-              <a:rPr lang="en-US" dirty="0" err="1">
-                <a:effectLst/>
-              </a:rPr>
-              <a:t>AgentCore</a:t>
-            </a:r>
-            <a:r>
-              <a:rPr lang="en-US" dirty="0">
-                <a:effectLst/>
-              </a:rPr>
-              <a:t> runtime suitable for security-sensitive applications (e.g., agentic AI for CISOs), minimizing attack surfaces while supporting functionalities like model invocation and vector querying.</a:t>
-            </a:r>
-          </a:p>
-          <a:p>
             <a:endParaRPr lang="en-US" dirty="0"/>
           </a:p>
         </p:txBody>
@@ -1360,7 +1114,7 @@
           <a:p>
             <a:fld id="{183740D3-E43C-4C46-97AA-BCBF708D08E6}" type="datetimeFigureOut">
               <a:rPr lang="en-US" smtClean="0"/>
-              <a:t>9/4/25</a:t>
+              <a:t>9/17/25</a:t>
             </a:fld>
             <a:endParaRPr lang="en-US"/>
           </a:p>
@@ -1558,7 +1312,7 @@
           <a:p>
             <a:fld id="{183740D3-E43C-4C46-97AA-BCBF708D08E6}" type="datetimeFigureOut">
               <a:rPr lang="en-US" smtClean="0"/>
-              <a:t>9/5/25</a:t>
+              <a:t>9/17/25</a:t>
             </a:fld>
             <a:endParaRPr lang="en-US"/>
           </a:p>
@@ -1766,7 +1520,7 @@
           <a:p>
             <a:fld id="{183740D3-E43C-4C46-97AA-BCBF708D08E6}" type="datetimeFigureOut">
               <a:rPr lang="en-US" smtClean="0"/>
-              <a:t>9/5/25</a:t>
+              <a:t>9/17/25</a:t>
             </a:fld>
             <a:endParaRPr lang="en-US"/>
           </a:p>
@@ -1964,7 +1718,7 @@
           <a:p>
             <a:fld id="{183740D3-E43C-4C46-97AA-BCBF708D08E6}" type="datetimeFigureOut">
               <a:rPr lang="en-US" smtClean="0"/>
-              <a:t>9/5/25</a:t>
+              <a:t>9/17/25</a:t>
             </a:fld>
             <a:endParaRPr lang="en-US"/>
           </a:p>
@@ -2239,7 +1993,7 @@
           <a:p>
             <a:fld id="{183740D3-E43C-4C46-97AA-BCBF708D08E6}" type="datetimeFigureOut">
               <a:rPr lang="en-US" smtClean="0"/>
-              <a:t>9/5/25</a:t>
+              <a:t>9/17/25</a:t>
             </a:fld>
             <a:endParaRPr lang="en-US"/>
           </a:p>
@@ -2504,7 +2258,7 @@
           <a:p>
             <a:fld id="{183740D3-E43C-4C46-97AA-BCBF708D08E6}" type="datetimeFigureOut">
               <a:rPr lang="en-US" smtClean="0"/>
-              <a:t>9/5/25</a:t>
+              <a:t>9/17/25</a:t>
             </a:fld>
             <a:endParaRPr lang="en-US"/>
           </a:p>
@@ -2916,7 +2670,7 @@
           <a:p>
             <a:fld id="{183740D3-E43C-4C46-97AA-BCBF708D08E6}" type="datetimeFigureOut">
               <a:rPr lang="en-US" smtClean="0"/>
-              <a:t>9/5/25</a:t>
+              <a:t>9/17/25</a:t>
             </a:fld>
             <a:endParaRPr lang="en-US"/>
           </a:p>
@@ -3057,7 +2811,7 @@
           <a:p>
             <a:fld id="{183740D3-E43C-4C46-97AA-BCBF708D08E6}" type="datetimeFigureOut">
               <a:rPr lang="en-US" smtClean="0"/>
-              <a:t>9/5/25</a:t>
+              <a:t>9/17/25</a:t>
             </a:fld>
             <a:endParaRPr lang="en-US"/>
           </a:p>
@@ -3170,7 +2924,7 @@
           <a:p>
             <a:fld id="{183740D3-E43C-4C46-97AA-BCBF708D08E6}" type="datetimeFigureOut">
               <a:rPr lang="en-US" smtClean="0"/>
-              <a:t>9/5/25</a:t>
+              <a:t>9/17/25</a:t>
             </a:fld>
             <a:endParaRPr lang="en-US"/>
           </a:p>
@@ -3481,7 +3235,7 @@
           <a:p>
             <a:fld id="{183740D3-E43C-4C46-97AA-BCBF708D08E6}" type="datetimeFigureOut">
               <a:rPr lang="en-US" smtClean="0"/>
-              <a:t>9/5/25</a:t>
+              <a:t>9/17/25</a:t>
             </a:fld>
             <a:endParaRPr lang="en-US"/>
           </a:p>
@@ -3769,7 +3523,7 @@
           <a:p>
             <a:fld id="{183740D3-E43C-4C46-97AA-BCBF708D08E6}" type="datetimeFigureOut">
               <a:rPr lang="en-US" smtClean="0"/>
-              <a:t>9/5/25</a:t>
+              <a:t>9/17/25</a:t>
             </a:fld>
             <a:endParaRPr lang="en-US"/>
           </a:p>
@@ -4010,7 +3764,7 @@
           <a:p>
             <a:fld id="{183740D3-E43C-4C46-97AA-BCBF708D08E6}" type="datetimeFigureOut">
               <a:rPr lang="en-US" smtClean="0"/>
-              <a:t>9/4/25</a:t>
+              <a:t>9/17/25</a:t>
             </a:fld>
             <a:endParaRPr lang="en-US"/>
           </a:p>
